--- a/presentation/PresentationFinaleBBC.pptx
+++ b/presentation/PresentationFinaleBBC.pptx
@@ -122,6 +122,11 @@
       </a:defRPr>
     </a:lvl9pPr>
   </p:defaultTextStyle>
+  <p:extLst>
+    <p:ext uri="{EFAFB233-063F-42B5-8137-9DF3F51BA10A}">
+      <p15:sldGuideLst xmlns:p15="http://schemas.microsoft.com/office/powerpoint/2012/main"/>
+    </p:ext>
+  </p:extLst>
 </p:presentation>
 </file>
 

--- a/presentation/PresentationFinaleBBC.pptx
+++ b/presentation/PresentationFinaleBBC.pptx
@@ -212,7 +212,7 @@
           <a:p>
             <a:fld id="{18CF2BAE-0986-4BC8-9C1C-C6D8764D7BC4}" type="datetimeFigureOut">
               <a:rPr lang="fr-CH" smtClean="0"/>
-              <a:t>13.06.2016</a:t>
+              <a:t>14.06.2016</a:t>
             </a:fld>
             <a:endParaRPr lang="fr-CH"/>
           </a:p>
@@ -1318,7 +1318,7 @@
           <a:p>
             <a:r>
               <a:rPr lang="fr-CH" dirty="0" smtClean="0"/>
-              <a:t>Corrélation</a:t>
+              <a:t>Thibault</a:t>
             </a:r>
             <a:endParaRPr lang="fr-CH" dirty="0"/>
           </a:p>
@@ -2434,7 +2434,7 @@
           <a:p>
             <a:fld id="{598AAB3C-9F53-4EBD-AB95-08CCA0DCD7E2}" type="datetimeFigureOut">
               <a:rPr lang="fr-CH" smtClean="0"/>
-              <a:t>13.06.2016</a:t>
+              <a:t>14.06.2016</a:t>
             </a:fld>
             <a:endParaRPr lang="fr-CH"/>
           </a:p>
@@ -2685,7 +2685,7 @@
           <a:p>
             <a:fld id="{598AAB3C-9F53-4EBD-AB95-08CCA0DCD7E2}" type="datetimeFigureOut">
               <a:rPr lang="fr-CH" smtClean="0"/>
-              <a:t>13.06.2016</a:t>
+              <a:t>14.06.2016</a:t>
             </a:fld>
             <a:endParaRPr lang="fr-CH"/>
           </a:p>
@@ -2999,7 +2999,7 @@
           <a:p>
             <a:fld id="{598AAB3C-9F53-4EBD-AB95-08CCA0DCD7E2}" type="datetimeFigureOut">
               <a:rPr lang="fr-CH" smtClean="0"/>
-              <a:t>13.06.2016</a:t>
+              <a:t>14.06.2016</a:t>
             </a:fld>
             <a:endParaRPr lang="fr-CH"/>
           </a:p>
@@ -3340,7 +3340,7 @@
           <a:p>
             <a:fld id="{598AAB3C-9F53-4EBD-AB95-08CCA0DCD7E2}" type="datetimeFigureOut">
               <a:rPr lang="fr-CH" smtClean="0"/>
-              <a:t>13.06.2016</a:t>
+              <a:t>14.06.2016</a:t>
             </a:fld>
             <a:endParaRPr lang="fr-CH"/>
           </a:p>
@@ -3654,7 +3654,7 @@
           <a:p>
             <a:fld id="{598AAB3C-9F53-4EBD-AB95-08CCA0DCD7E2}" type="datetimeFigureOut">
               <a:rPr lang="fr-CH" smtClean="0"/>
-              <a:t>13.06.2016</a:t>
+              <a:t>14.06.2016</a:t>
             </a:fld>
             <a:endParaRPr lang="fr-CH"/>
           </a:p>
@@ -4047,7 +4047,7 @@
           <a:p>
             <a:fld id="{598AAB3C-9F53-4EBD-AB95-08CCA0DCD7E2}" type="datetimeFigureOut">
               <a:rPr lang="fr-CH" smtClean="0"/>
-              <a:t>13.06.2016</a:t>
+              <a:t>14.06.2016</a:t>
             </a:fld>
             <a:endParaRPr lang="fr-CH"/>
           </a:p>
@@ -4217,7 +4217,7 @@
           <a:p>
             <a:fld id="{598AAB3C-9F53-4EBD-AB95-08CCA0DCD7E2}" type="datetimeFigureOut">
               <a:rPr lang="fr-CH" smtClean="0"/>
-              <a:t>13.06.2016</a:t>
+              <a:t>14.06.2016</a:t>
             </a:fld>
             <a:endParaRPr lang="fr-CH"/>
           </a:p>
@@ -4397,7 +4397,7 @@
           <a:p>
             <a:fld id="{598AAB3C-9F53-4EBD-AB95-08CCA0DCD7E2}" type="datetimeFigureOut">
               <a:rPr lang="fr-CH" smtClean="0"/>
-              <a:t>13.06.2016</a:t>
+              <a:t>14.06.2016</a:t>
             </a:fld>
             <a:endParaRPr lang="fr-CH"/>
           </a:p>
@@ -4573,7 +4573,7 @@
           <a:p>
             <a:fld id="{598AAB3C-9F53-4EBD-AB95-08CCA0DCD7E2}" type="datetimeFigureOut">
               <a:rPr lang="fr-CH" smtClean="0"/>
-              <a:t>13.06.2016</a:t>
+              <a:t>14.06.2016</a:t>
             </a:fld>
             <a:endParaRPr lang="fr-CH"/>
           </a:p>
@@ -4820,7 +4820,7 @@
           <a:p>
             <a:fld id="{598AAB3C-9F53-4EBD-AB95-08CCA0DCD7E2}" type="datetimeFigureOut">
               <a:rPr lang="fr-CH" smtClean="0"/>
-              <a:t>13.06.2016</a:t>
+              <a:t>14.06.2016</a:t>
             </a:fld>
             <a:endParaRPr lang="fr-CH"/>
           </a:p>
@@ -5052,7 +5052,7 @@
           <a:p>
             <a:fld id="{598AAB3C-9F53-4EBD-AB95-08CCA0DCD7E2}" type="datetimeFigureOut">
               <a:rPr lang="fr-CH" smtClean="0"/>
-              <a:t>13.06.2016</a:t>
+              <a:t>14.06.2016</a:t>
             </a:fld>
             <a:endParaRPr lang="fr-CH"/>
           </a:p>
@@ -5426,7 +5426,7 @@
           <a:p>
             <a:fld id="{598AAB3C-9F53-4EBD-AB95-08CCA0DCD7E2}" type="datetimeFigureOut">
               <a:rPr lang="fr-CH" smtClean="0"/>
-              <a:t>13.06.2016</a:t>
+              <a:t>14.06.2016</a:t>
             </a:fld>
             <a:endParaRPr lang="fr-CH"/>
           </a:p>
@@ -5549,7 +5549,7 @@
           <a:p>
             <a:fld id="{598AAB3C-9F53-4EBD-AB95-08CCA0DCD7E2}" type="datetimeFigureOut">
               <a:rPr lang="fr-CH" smtClean="0"/>
-              <a:t>13.06.2016</a:t>
+              <a:t>14.06.2016</a:t>
             </a:fld>
             <a:endParaRPr lang="fr-CH"/>
           </a:p>
@@ -5644,7 +5644,7 @@
           <a:p>
             <a:fld id="{598AAB3C-9F53-4EBD-AB95-08CCA0DCD7E2}" type="datetimeFigureOut">
               <a:rPr lang="fr-CH" smtClean="0"/>
-              <a:t>13.06.2016</a:t>
+              <a:t>14.06.2016</a:t>
             </a:fld>
             <a:endParaRPr lang="fr-CH"/>
           </a:p>
@@ -5899,7 +5899,7 @@
           <a:p>
             <a:fld id="{598AAB3C-9F53-4EBD-AB95-08CCA0DCD7E2}" type="datetimeFigureOut">
               <a:rPr lang="fr-CH" smtClean="0"/>
-              <a:t>13.06.2016</a:t>
+              <a:t>14.06.2016</a:t>
             </a:fld>
             <a:endParaRPr lang="fr-CH"/>
           </a:p>
@@ -6162,7 +6162,7 @@
           <a:p>
             <a:fld id="{598AAB3C-9F53-4EBD-AB95-08CCA0DCD7E2}" type="datetimeFigureOut">
               <a:rPr lang="fr-CH" smtClean="0"/>
-              <a:t>13.06.2016</a:t>
+              <a:t>14.06.2016</a:t>
             </a:fld>
             <a:endParaRPr lang="fr-CH"/>
           </a:p>
@@ -6905,7 +6905,7 @@
           <a:p>
             <a:fld id="{598AAB3C-9F53-4EBD-AB95-08CCA0DCD7E2}" type="datetimeFigureOut">
               <a:rPr lang="fr-CH" smtClean="0"/>
-              <a:t>13.06.2016</a:t>
+              <a:t>14.06.2016</a:t>
             </a:fld>
             <a:endParaRPr lang="fr-CH"/>
           </a:p>
@@ -7837,10 +7837,6 @@
           </a:p>
           <a:p>
             <a:pPr lvl="1"/>
-            <a:r>
-              <a:rPr lang="fr-CH" dirty="0"/>
-              <a:t> </a:t>
-            </a:r>
             <a:r>
               <a:rPr lang="fr-CH" dirty="0" smtClean="0"/>
               <a:t>Contient des p-values différentes </a:t>
@@ -10326,14 +10322,30 @@
             </a:r>
             <a:r>
               <a:rPr lang="fr-CH" dirty="0" smtClean="0"/>
-              <a:t>				0.71%</a:t>
+              <a:t>				</a:t>
+            </a:r>
+            <a:r>
+              <a:rPr lang="fr-CH" dirty="0" smtClean="0"/>
+              <a:t>71</a:t>
+            </a:r>
+            <a:r>
+              <a:rPr lang="fr-CH" dirty="0" smtClean="0"/>
+              <a:t>%</a:t>
             </a:r>
           </a:p>
           <a:p>
             <a:pPr lvl="1"/>
             <a:r>
               <a:rPr lang="fr-CH" dirty="0" smtClean="0"/>
-              <a:t>SVM				0.71%</a:t>
+              <a:t>SVM				</a:t>
+            </a:r>
+            <a:r>
+              <a:rPr lang="fr-CH" dirty="0" smtClean="0"/>
+              <a:t>71</a:t>
+            </a:r>
+            <a:r>
+              <a:rPr lang="fr-CH" dirty="0" smtClean="0"/>
+              <a:t>%</a:t>
             </a:r>
           </a:p>
           <a:p>
@@ -10344,7 +10356,15 @@
             </a:r>
             <a:r>
               <a:rPr lang="fr-CH" dirty="0" smtClean="0"/>
-              <a:t> Forest		0.71%</a:t>
+              <a:t> Forest		</a:t>
+            </a:r>
+            <a:r>
+              <a:rPr lang="fr-CH" dirty="0" smtClean="0"/>
+              <a:t>71</a:t>
+            </a:r>
+            <a:r>
+              <a:rPr lang="fr-CH" dirty="0" smtClean="0"/>
+              <a:t>%</a:t>
             </a:r>
           </a:p>
           <a:p>
